--- a/Document/박진/기획 ppt 7월 17일 기획제안서.pptx
+++ b/Document/박진/기획 ppt 7월 17일 기획제안서.pptx
@@ -848,6 +848,726 @@
     </a:lvl9pPr>
   </p:notesStyle>
 </p:notesMaster>
+</file>
+
+<file path=ppt/notesSlides/notesSlide1.xml><?xml version="1.0" encoding="utf-8"?>
+<p:notes xmlns:a="http://schemas.openxmlformats.org/drawingml/2006/main" xmlns:r="http://schemas.openxmlformats.org/officeDocument/2006/relationships" xmlns:p="http://schemas.openxmlformats.org/presentationml/2006/main">
+  <p:cSld>
+    <p:spTree>
+      <p:nvGrpSpPr>
+        <p:cNvPr id="1" name=""/>
+        <p:cNvGrpSpPr/>
+        <p:nvPr/>
+      </p:nvGrpSpPr>
+      <p:grpSpPr>
+        <a:xfrm>
+          <a:off x="0" y="0"/>
+          <a:ext cx="0" cy="0"/>
+          <a:chOff x="0" y="0"/>
+          <a:chExt cx="0" cy="0"/>
+        </a:xfrm>
+      </p:grpSpPr>
+      <p:sp>
+        <p:nvSpPr>
+          <p:cNvPr id="2" name="슬라이드 이미지 개체 틀 1"/>
+          <p:cNvSpPr>
+            <a:spLocks noGrp="1" noRot="1" noChangeAspect="1"/>
+          </p:cNvSpPr>
+          <p:nvPr>
+            <p:ph type="sldImg"/>
+          </p:nvPr>
+        </p:nvSpPr>
+        <p:spPr/>
+      </p:sp>
+      <p:sp>
+        <p:nvSpPr>
+          <p:cNvPr id="3" name="슬라이드 노트 개체 틀 2"/>
+          <p:cNvSpPr>
+            <a:spLocks noGrp="1"/>
+          </p:cNvSpPr>
+          <p:nvPr>
+            <p:ph type="body" idx="1"/>
+          </p:nvPr>
+        </p:nvSpPr>
+        <p:spPr/>
+        <p:txBody>
+          <a:bodyPr/>
+          <a:lstStyle/>
+          <a:p>
+            <a:endParaRPr lang="ko-KR" altLang="en-US"/>
+          </a:p>
+        </p:txBody>
+      </p:sp>
+      <p:sp>
+        <p:nvSpPr>
+          <p:cNvPr id="4" name="슬라이드 번호 개체 틀 3"/>
+          <p:cNvSpPr>
+            <a:spLocks noGrp="1"/>
+          </p:cNvSpPr>
+          <p:nvPr>
+            <p:ph type="sldNum" sz="quarter" idx="10"/>
+          </p:nvPr>
+        </p:nvSpPr>
+        <p:spPr/>
+        <p:txBody>
+          <a:bodyPr/>
+          <a:lstStyle/>
+          <a:p>
+            <a:pPr>
+              <a:defRPr/>
+            </a:pPr>
+            <a:fld id="{06ABC183-0FA6-4209-980C-886408E76C5A}" type="slidenum">
+              <a:rPr lang="en-US" altLang="ko-KR" smtClean="0"/>
+              <a:pPr>
+                <a:defRPr/>
+              </a:pPr>
+              <a:t>1</a:t>
+            </a:fld>
+            <a:endParaRPr lang="en-US" altLang="ko-KR" dirty="0"/>
+          </a:p>
+        </p:txBody>
+      </p:sp>
+    </p:spTree>
+    <p:extLst>
+      <p:ext uri="{BB962C8B-B14F-4D97-AF65-F5344CB8AC3E}">
+        <p14:creationId xmlns:p14="http://schemas.microsoft.com/office/powerpoint/2010/main" val="3571176830"/>
+      </p:ext>
+    </p:extLst>
+  </p:cSld>
+  <p:clrMapOvr>
+    <a:masterClrMapping/>
+  </p:clrMapOvr>
+</p:notes>
+</file>
+
+<file path=ppt/notesSlides/notesSlide2.xml><?xml version="1.0" encoding="utf-8"?>
+<p:notes xmlns:a="http://schemas.openxmlformats.org/drawingml/2006/main" xmlns:r="http://schemas.openxmlformats.org/officeDocument/2006/relationships" xmlns:p="http://schemas.openxmlformats.org/presentationml/2006/main">
+  <p:cSld>
+    <p:spTree>
+      <p:nvGrpSpPr>
+        <p:cNvPr id="1" name=""/>
+        <p:cNvGrpSpPr/>
+        <p:nvPr/>
+      </p:nvGrpSpPr>
+      <p:grpSpPr>
+        <a:xfrm>
+          <a:off x="0" y="0"/>
+          <a:ext cx="0" cy="0"/>
+          <a:chOff x="0" y="0"/>
+          <a:chExt cx="0" cy="0"/>
+        </a:xfrm>
+      </p:grpSpPr>
+      <p:sp>
+        <p:nvSpPr>
+          <p:cNvPr id="2" name="슬라이드 이미지 개체 틀 1"/>
+          <p:cNvSpPr>
+            <a:spLocks noGrp="1" noRot="1" noChangeAspect="1"/>
+          </p:cNvSpPr>
+          <p:nvPr>
+            <p:ph type="sldImg"/>
+          </p:nvPr>
+        </p:nvSpPr>
+        <p:spPr/>
+      </p:sp>
+      <p:sp>
+        <p:nvSpPr>
+          <p:cNvPr id="3" name="슬라이드 노트 개체 틀 2"/>
+          <p:cNvSpPr>
+            <a:spLocks noGrp="1"/>
+          </p:cNvSpPr>
+          <p:nvPr>
+            <p:ph type="body" idx="1"/>
+          </p:nvPr>
+        </p:nvSpPr>
+        <p:spPr/>
+        <p:txBody>
+          <a:bodyPr/>
+          <a:lstStyle/>
+          <a:p>
+            <a:endParaRPr lang="ko-KR" altLang="en-US"/>
+          </a:p>
+        </p:txBody>
+      </p:sp>
+      <p:sp>
+        <p:nvSpPr>
+          <p:cNvPr id="4" name="슬라이드 번호 개체 틀 3"/>
+          <p:cNvSpPr>
+            <a:spLocks noGrp="1"/>
+          </p:cNvSpPr>
+          <p:nvPr>
+            <p:ph type="sldNum" sz="quarter" idx="10"/>
+          </p:nvPr>
+        </p:nvSpPr>
+        <p:spPr/>
+        <p:txBody>
+          <a:bodyPr/>
+          <a:lstStyle/>
+          <a:p>
+            <a:pPr>
+              <a:defRPr/>
+            </a:pPr>
+            <a:fld id="{06ABC183-0FA6-4209-980C-886408E76C5A}" type="slidenum">
+              <a:rPr lang="en-US" altLang="ko-KR" smtClean="0"/>
+              <a:pPr>
+                <a:defRPr/>
+              </a:pPr>
+              <a:t>2</a:t>
+            </a:fld>
+            <a:endParaRPr lang="en-US" altLang="ko-KR" dirty="0"/>
+          </a:p>
+        </p:txBody>
+      </p:sp>
+    </p:spTree>
+    <p:extLst>
+      <p:ext uri="{BB962C8B-B14F-4D97-AF65-F5344CB8AC3E}">
+        <p14:creationId xmlns:p14="http://schemas.microsoft.com/office/powerpoint/2010/main" val="4192685794"/>
+      </p:ext>
+    </p:extLst>
+  </p:cSld>
+  <p:clrMapOvr>
+    <a:masterClrMapping/>
+  </p:clrMapOvr>
+</p:notes>
+</file>
+
+<file path=ppt/notesSlides/notesSlide3.xml><?xml version="1.0" encoding="utf-8"?>
+<p:notes xmlns:a="http://schemas.openxmlformats.org/drawingml/2006/main" xmlns:r="http://schemas.openxmlformats.org/officeDocument/2006/relationships" xmlns:p="http://schemas.openxmlformats.org/presentationml/2006/main">
+  <p:cSld>
+    <p:spTree>
+      <p:nvGrpSpPr>
+        <p:cNvPr id="1" name=""/>
+        <p:cNvGrpSpPr/>
+        <p:nvPr/>
+      </p:nvGrpSpPr>
+      <p:grpSpPr>
+        <a:xfrm>
+          <a:off x="0" y="0"/>
+          <a:ext cx="0" cy="0"/>
+          <a:chOff x="0" y="0"/>
+          <a:chExt cx="0" cy="0"/>
+        </a:xfrm>
+      </p:grpSpPr>
+      <p:sp>
+        <p:nvSpPr>
+          <p:cNvPr id="2" name="슬라이드 이미지 개체 틀 1"/>
+          <p:cNvSpPr>
+            <a:spLocks noGrp="1" noRot="1" noChangeAspect="1"/>
+          </p:cNvSpPr>
+          <p:nvPr>
+            <p:ph type="sldImg"/>
+          </p:nvPr>
+        </p:nvSpPr>
+        <p:spPr/>
+      </p:sp>
+      <p:sp>
+        <p:nvSpPr>
+          <p:cNvPr id="3" name="슬라이드 노트 개체 틀 2"/>
+          <p:cNvSpPr>
+            <a:spLocks noGrp="1"/>
+          </p:cNvSpPr>
+          <p:nvPr>
+            <p:ph type="body" idx="1"/>
+          </p:nvPr>
+        </p:nvSpPr>
+        <p:spPr/>
+        <p:txBody>
+          <a:bodyPr/>
+          <a:lstStyle/>
+          <a:p>
+            <a:endParaRPr lang="ko-KR" altLang="en-US"/>
+          </a:p>
+        </p:txBody>
+      </p:sp>
+      <p:sp>
+        <p:nvSpPr>
+          <p:cNvPr id="4" name="슬라이드 번호 개체 틀 3"/>
+          <p:cNvSpPr>
+            <a:spLocks noGrp="1"/>
+          </p:cNvSpPr>
+          <p:nvPr>
+            <p:ph type="sldNum" sz="quarter" idx="10"/>
+          </p:nvPr>
+        </p:nvSpPr>
+        <p:spPr/>
+        <p:txBody>
+          <a:bodyPr/>
+          <a:lstStyle/>
+          <a:p>
+            <a:pPr>
+              <a:defRPr/>
+            </a:pPr>
+            <a:fld id="{06ABC183-0FA6-4209-980C-886408E76C5A}" type="slidenum">
+              <a:rPr lang="en-US" altLang="ko-KR" smtClean="0"/>
+              <a:pPr>
+                <a:defRPr/>
+              </a:pPr>
+              <a:t>3</a:t>
+            </a:fld>
+            <a:endParaRPr lang="en-US" altLang="ko-KR" dirty="0"/>
+          </a:p>
+        </p:txBody>
+      </p:sp>
+    </p:spTree>
+    <p:extLst>
+      <p:ext uri="{BB962C8B-B14F-4D97-AF65-F5344CB8AC3E}">
+        <p14:creationId xmlns:p14="http://schemas.microsoft.com/office/powerpoint/2010/main" val="340543662"/>
+      </p:ext>
+    </p:extLst>
+  </p:cSld>
+  <p:clrMapOvr>
+    <a:masterClrMapping/>
+  </p:clrMapOvr>
+</p:notes>
+</file>
+
+<file path=ppt/notesSlides/notesSlide4.xml><?xml version="1.0" encoding="utf-8"?>
+<p:notes xmlns:a="http://schemas.openxmlformats.org/drawingml/2006/main" xmlns:r="http://schemas.openxmlformats.org/officeDocument/2006/relationships" xmlns:p="http://schemas.openxmlformats.org/presentationml/2006/main">
+  <p:cSld>
+    <p:spTree>
+      <p:nvGrpSpPr>
+        <p:cNvPr id="1" name=""/>
+        <p:cNvGrpSpPr/>
+        <p:nvPr/>
+      </p:nvGrpSpPr>
+      <p:grpSpPr>
+        <a:xfrm>
+          <a:off x="0" y="0"/>
+          <a:ext cx="0" cy="0"/>
+          <a:chOff x="0" y="0"/>
+          <a:chExt cx="0" cy="0"/>
+        </a:xfrm>
+      </p:grpSpPr>
+      <p:sp>
+        <p:nvSpPr>
+          <p:cNvPr id="2" name="슬라이드 이미지 개체 틀 1"/>
+          <p:cNvSpPr>
+            <a:spLocks noGrp="1" noRot="1" noChangeAspect="1"/>
+          </p:cNvSpPr>
+          <p:nvPr>
+            <p:ph type="sldImg"/>
+          </p:nvPr>
+        </p:nvSpPr>
+        <p:spPr/>
+      </p:sp>
+      <p:sp>
+        <p:nvSpPr>
+          <p:cNvPr id="3" name="슬라이드 노트 개체 틀 2"/>
+          <p:cNvSpPr>
+            <a:spLocks noGrp="1"/>
+          </p:cNvSpPr>
+          <p:nvPr>
+            <p:ph type="body" idx="1"/>
+          </p:nvPr>
+        </p:nvSpPr>
+        <p:spPr/>
+        <p:txBody>
+          <a:bodyPr/>
+          <a:lstStyle/>
+          <a:p>
+            <a:endParaRPr lang="ko-KR" altLang="en-US"/>
+          </a:p>
+        </p:txBody>
+      </p:sp>
+      <p:sp>
+        <p:nvSpPr>
+          <p:cNvPr id="4" name="슬라이드 번호 개체 틀 3"/>
+          <p:cNvSpPr>
+            <a:spLocks noGrp="1"/>
+          </p:cNvSpPr>
+          <p:nvPr>
+            <p:ph type="sldNum" sz="quarter" idx="10"/>
+          </p:nvPr>
+        </p:nvSpPr>
+        <p:spPr/>
+        <p:txBody>
+          <a:bodyPr/>
+          <a:lstStyle/>
+          <a:p>
+            <a:pPr>
+              <a:defRPr/>
+            </a:pPr>
+            <a:fld id="{06ABC183-0FA6-4209-980C-886408E76C5A}" type="slidenum">
+              <a:rPr lang="en-US" altLang="ko-KR" smtClean="0"/>
+              <a:pPr>
+                <a:defRPr/>
+              </a:pPr>
+              <a:t>4</a:t>
+            </a:fld>
+            <a:endParaRPr lang="en-US" altLang="ko-KR" dirty="0"/>
+          </a:p>
+        </p:txBody>
+      </p:sp>
+    </p:spTree>
+    <p:extLst>
+      <p:ext uri="{BB962C8B-B14F-4D97-AF65-F5344CB8AC3E}">
+        <p14:creationId xmlns:p14="http://schemas.microsoft.com/office/powerpoint/2010/main" val="1335548552"/>
+      </p:ext>
+    </p:extLst>
+  </p:cSld>
+  <p:clrMapOvr>
+    <a:masterClrMapping/>
+  </p:clrMapOvr>
+</p:notes>
+</file>
+
+<file path=ppt/notesSlides/notesSlide5.xml><?xml version="1.0" encoding="utf-8"?>
+<p:notes xmlns:a="http://schemas.openxmlformats.org/drawingml/2006/main" xmlns:r="http://schemas.openxmlformats.org/officeDocument/2006/relationships" xmlns:p="http://schemas.openxmlformats.org/presentationml/2006/main">
+  <p:cSld>
+    <p:spTree>
+      <p:nvGrpSpPr>
+        <p:cNvPr id="1" name=""/>
+        <p:cNvGrpSpPr/>
+        <p:nvPr/>
+      </p:nvGrpSpPr>
+      <p:grpSpPr>
+        <a:xfrm>
+          <a:off x="0" y="0"/>
+          <a:ext cx="0" cy="0"/>
+          <a:chOff x="0" y="0"/>
+          <a:chExt cx="0" cy="0"/>
+        </a:xfrm>
+      </p:grpSpPr>
+      <p:sp>
+        <p:nvSpPr>
+          <p:cNvPr id="2" name="슬라이드 이미지 개체 틀 1"/>
+          <p:cNvSpPr>
+            <a:spLocks noGrp="1" noRot="1" noChangeAspect="1"/>
+          </p:cNvSpPr>
+          <p:nvPr>
+            <p:ph type="sldImg"/>
+          </p:nvPr>
+        </p:nvSpPr>
+        <p:spPr/>
+      </p:sp>
+      <p:sp>
+        <p:nvSpPr>
+          <p:cNvPr id="3" name="슬라이드 노트 개체 틀 2"/>
+          <p:cNvSpPr>
+            <a:spLocks noGrp="1"/>
+          </p:cNvSpPr>
+          <p:nvPr>
+            <p:ph type="body" idx="1"/>
+          </p:nvPr>
+        </p:nvSpPr>
+        <p:spPr/>
+        <p:txBody>
+          <a:bodyPr/>
+          <a:lstStyle/>
+          <a:p>
+            <a:endParaRPr lang="ko-KR" altLang="en-US"/>
+          </a:p>
+        </p:txBody>
+      </p:sp>
+      <p:sp>
+        <p:nvSpPr>
+          <p:cNvPr id="4" name="슬라이드 번호 개체 틀 3"/>
+          <p:cNvSpPr>
+            <a:spLocks noGrp="1"/>
+          </p:cNvSpPr>
+          <p:nvPr>
+            <p:ph type="sldNum" sz="quarter" idx="10"/>
+          </p:nvPr>
+        </p:nvSpPr>
+        <p:spPr/>
+        <p:txBody>
+          <a:bodyPr/>
+          <a:lstStyle/>
+          <a:p>
+            <a:pPr>
+              <a:defRPr/>
+            </a:pPr>
+            <a:fld id="{06ABC183-0FA6-4209-980C-886408E76C5A}" type="slidenum">
+              <a:rPr lang="en-US" altLang="ko-KR" smtClean="0"/>
+              <a:pPr>
+                <a:defRPr/>
+              </a:pPr>
+              <a:t>5</a:t>
+            </a:fld>
+            <a:endParaRPr lang="en-US" altLang="ko-KR" dirty="0"/>
+          </a:p>
+        </p:txBody>
+      </p:sp>
+    </p:spTree>
+    <p:extLst>
+      <p:ext uri="{BB962C8B-B14F-4D97-AF65-F5344CB8AC3E}">
+        <p14:creationId xmlns:p14="http://schemas.microsoft.com/office/powerpoint/2010/main" val="195181263"/>
+      </p:ext>
+    </p:extLst>
+  </p:cSld>
+  <p:clrMapOvr>
+    <a:masterClrMapping/>
+  </p:clrMapOvr>
+</p:notes>
+</file>
+
+<file path=ppt/notesSlides/notesSlide6.xml><?xml version="1.0" encoding="utf-8"?>
+<p:notes xmlns:a="http://schemas.openxmlformats.org/drawingml/2006/main" xmlns:r="http://schemas.openxmlformats.org/officeDocument/2006/relationships" xmlns:p="http://schemas.openxmlformats.org/presentationml/2006/main">
+  <p:cSld>
+    <p:spTree>
+      <p:nvGrpSpPr>
+        <p:cNvPr id="1" name=""/>
+        <p:cNvGrpSpPr/>
+        <p:nvPr/>
+      </p:nvGrpSpPr>
+      <p:grpSpPr>
+        <a:xfrm>
+          <a:off x="0" y="0"/>
+          <a:ext cx="0" cy="0"/>
+          <a:chOff x="0" y="0"/>
+          <a:chExt cx="0" cy="0"/>
+        </a:xfrm>
+      </p:grpSpPr>
+      <p:sp>
+        <p:nvSpPr>
+          <p:cNvPr id="2" name="슬라이드 이미지 개체 틀 1"/>
+          <p:cNvSpPr>
+            <a:spLocks noGrp="1" noRot="1" noChangeAspect="1"/>
+          </p:cNvSpPr>
+          <p:nvPr>
+            <p:ph type="sldImg"/>
+          </p:nvPr>
+        </p:nvSpPr>
+        <p:spPr/>
+      </p:sp>
+      <p:sp>
+        <p:nvSpPr>
+          <p:cNvPr id="3" name="슬라이드 노트 개체 틀 2"/>
+          <p:cNvSpPr>
+            <a:spLocks noGrp="1"/>
+          </p:cNvSpPr>
+          <p:nvPr>
+            <p:ph type="body" idx="1"/>
+          </p:nvPr>
+        </p:nvSpPr>
+        <p:spPr/>
+        <p:txBody>
+          <a:bodyPr/>
+          <a:lstStyle/>
+          <a:p>
+            <a:endParaRPr lang="ko-KR" altLang="en-US"/>
+          </a:p>
+        </p:txBody>
+      </p:sp>
+      <p:sp>
+        <p:nvSpPr>
+          <p:cNvPr id="4" name="슬라이드 번호 개체 틀 3"/>
+          <p:cNvSpPr>
+            <a:spLocks noGrp="1"/>
+          </p:cNvSpPr>
+          <p:nvPr>
+            <p:ph type="sldNum" sz="quarter" idx="10"/>
+          </p:nvPr>
+        </p:nvSpPr>
+        <p:spPr/>
+        <p:txBody>
+          <a:bodyPr/>
+          <a:lstStyle/>
+          <a:p>
+            <a:pPr>
+              <a:defRPr/>
+            </a:pPr>
+            <a:fld id="{06ABC183-0FA6-4209-980C-886408E76C5A}" type="slidenum">
+              <a:rPr lang="en-US" altLang="ko-KR" smtClean="0"/>
+              <a:pPr>
+                <a:defRPr/>
+              </a:pPr>
+              <a:t>6</a:t>
+            </a:fld>
+            <a:endParaRPr lang="en-US" altLang="ko-KR" dirty="0"/>
+          </a:p>
+        </p:txBody>
+      </p:sp>
+    </p:spTree>
+    <p:extLst>
+      <p:ext uri="{BB962C8B-B14F-4D97-AF65-F5344CB8AC3E}">
+        <p14:creationId xmlns:p14="http://schemas.microsoft.com/office/powerpoint/2010/main" val="3730666386"/>
+      </p:ext>
+    </p:extLst>
+  </p:cSld>
+  <p:clrMapOvr>
+    <a:masterClrMapping/>
+  </p:clrMapOvr>
+</p:notes>
+</file>
+
+<file path=ppt/notesSlides/notesSlide7.xml><?xml version="1.0" encoding="utf-8"?>
+<p:notes xmlns:a="http://schemas.openxmlformats.org/drawingml/2006/main" xmlns:r="http://schemas.openxmlformats.org/officeDocument/2006/relationships" xmlns:p="http://schemas.openxmlformats.org/presentationml/2006/main">
+  <p:cSld>
+    <p:spTree>
+      <p:nvGrpSpPr>
+        <p:cNvPr id="1" name=""/>
+        <p:cNvGrpSpPr/>
+        <p:nvPr/>
+      </p:nvGrpSpPr>
+      <p:grpSpPr>
+        <a:xfrm>
+          <a:off x="0" y="0"/>
+          <a:ext cx="0" cy="0"/>
+          <a:chOff x="0" y="0"/>
+          <a:chExt cx="0" cy="0"/>
+        </a:xfrm>
+      </p:grpSpPr>
+      <p:sp>
+        <p:nvSpPr>
+          <p:cNvPr id="2" name="슬라이드 이미지 개체 틀 1"/>
+          <p:cNvSpPr>
+            <a:spLocks noGrp="1" noRot="1" noChangeAspect="1"/>
+          </p:cNvSpPr>
+          <p:nvPr>
+            <p:ph type="sldImg"/>
+          </p:nvPr>
+        </p:nvSpPr>
+        <p:spPr/>
+      </p:sp>
+      <p:sp>
+        <p:nvSpPr>
+          <p:cNvPr id="3" name="슬라이드 노트 개체 틀 2"/>
+          <p:cNvSpPr>
+            <a:spLocks noGrp="1"/>
+          </p:cNvSpPr>
+          <p:nvPr>
+            <p:ph type="body" idx="1"/>
+          </p:nvPr>
+        </p:nvSpPr>
+        <p:spPr/>
+        <p:txBody>
+          <a:bodyPr/>
+          <a:lstStyle/>
+          <a:p>
+            <a:endParaRPr lang="ko-KR" altLang="en-US"/>
+          </a:p>
+        </p:txBody>
+      </p:sp>
+      <p:sp>
+        <p:nvSpPr>
+          <p:cNvPr id="4" name="슬라이드 번호 개체 틀 3"/>
+          <p:cNvSpPr>
+            <a:spLocks noGrp="1"/>
+          </p:cNvSpPr>
+          <p:nvPr>
+            <p:ph type="sldNum" sz="quarter" idx="10"/>
+          </p:nvPr>
+        </p:nvSpPr>
+        <p:spPr/>
+        <p:txBody>
+          <a:bodyPr/>
+          <a:lstStyle/>
+          <a:p>
+            <a:pPr>
+              <a:defRPr/>
+            </a:pPr>
+            <a:fld id="{06ABC183-0FA6-4209-980C-886408E76C5A}" type="slidenum">
+              <a:rPr lang="en-US" altLang="ko-KR" smtClean="0"/>
+              <a:pPr>
+                <a:defRPr/>
+              </a:pPr>
+              <a:t>7</a:t>
+            </a:fld>
+            <a:endParaRPr lang="en-US" altLang="ko-KR" dirty="0"/>
+          </a:p>
+        </p:txBody>
+      </p:sp>
+    </p:spTree>
+    <p:extLst>
+      <p:ext uri="{BB962C8B-B14F-4D97-AF65-F5344CB8AC3E}">
+        <p14:creationId xmlns:p14="http://schemas.microsoft.com/office/powerpoint/2010/main" val="2019622874"/>
+      </p:ext>
+    </p:extLst>
+  </p:cSld>
+  <p:clrMapOvr>
+    <a:masterClrMapping/>
+  </p:clrMapOvr>
+</p:notes>
+</file>
+
+<file path=ppt/notesSlides/notesSlide8.xml><?xml version="1.0" encoding="utf-8"?>
+<p:notes xmlns:a="http://schemas.openxmlformats.org/drawingml/2006/main" xmlns:r="http://schemas.openxmlformats.org/officeDocument/2006/relationships" xmlns:p="http://schemas.openxmlformats.org/presentationml/2006/main">
+  <p:cSld>
+    <p:spTree>
+      <p:nvGrpSpPr>
+        <p:cNvPr id="1" name=""/>
+        <p:cNvGrpSpPr/>
+        <p:nvPr/>
+      </p:nvGrpSpPr>
+      <p:grpSpPr>
+        <a:xfrm>
+          <a:off x="0" y="0"/>
+          <a:ext cx="0" cy="0"/>
+          <a:chOff x="0" y="0"/>
+          <a:chExt cx="0" cy="0"/>
+        </a:xfrm>
+      </p:grpSpPr>
+      <p:sp>
+        <p:nvSpPr>
+          <p:cNvPr id="2" name="슬라이드 이미지 개체 틀 1"/>
+          <p:cNvSpPr>
+            <a:spLocks noGrp="1" noRot="1" noChangeAspect="1"/>
+          </p:cNvSpPr>
+          <p:nvPr>
+            <p:ph type="sldImg"/>
+          </p:nvPr>
+        </p:nvSpPr>
+        <p:spPr/>
+      </p:sp>
+      <p:sp>
+        <p:nvSpPr>
+          <p:cNvPr id="3" name="슬라이드 노트 개체 틀 2"/>
+          <p:cNvSpPr>
+            <a:spLocks noGrp="1"/>
+          </p:cNvSpPr>
+          <p:nvPr>
+            <p:ph type="body" idx="1"/>
+          </p:nvPr>
+        </p:nvSpPr>
+        <p:spPr/>
+        <p:txBody>
+          <a:bodyPr/>
+          <a:lstStyle/>
+          <a:p>
+            <a:endParaRPr lang="ko-KR" altLang="en-US"/>
+          </a:p>
+        </p:txBody>
+      </p:sp>
+      <p:sp>
+        <p:nvSpPr>
+          <p:cNvPr id="4" name="슬라이드 번호 개체 틀 3"/>
+          <p:cNvSpPr>
+            <a:spLocks noGrp="1"/>
+          </p:cNvSpPr>
+          <p:nvPr>
+            <p:ph type="sldNum" sz="quarter" idx="10"/>
+          </p:nvPr>
+        </p:nvSpPr>
+        <p:spPr/>
+        <p:txBody>
+          <a:bodyPr/>
+          <a:lstStyle/>
+          <a:p>
+            <a:pPr>
+              <a:defRPr/>
+            </a:pPr>
+            <a:fld id="{06ABC183-0FA6-4209-980C-886408E76C5A}" type="slidenum">
+              <a:rPr lang="en-US" altLang="ko-KR" smtClean="0"/>
+              <a:pPr>
+                <a:defRPr/>
+              </a:pPr>
+              <a:t>8</a:t>
+            </a:fld>
+            <a:endParaRPr lang="en-US" altLang="ko-KR" dirty="0"/>
+          </a:p>
+        </p:txBody>
+      </p:sp>
+    </p:spTree>
+    <p:extLst>
+      <p:ext uri="{BB962C8B-B14F-4D97-AF65-F5344CB8AC3E}">
+        <p14:creationId xmlns:p14="http://schemas.microsoft.com/office/powerpoint/2010/main" val="80562814"/>
+      </p:ext>
+    </p:extLst>
+  </p:cSld>
+  <p:clrMapOvr>
+    <a:masterClrMapping/>
+  </p:clrMapOvr>
+</p:notes>
 </file>
 
 <file path=ppt/slideLayouts/slideLayout1.xml><?xml version="1.0" encoding="utf-8"?>
@@ -3473,12 +4193,9 @@
           <a:p>
             <a:r>
               <a:rPr lang="ko-KR" altLang="en-US" dirty="0" smtClean="0"/>
-              <a:t>박</a:t>
-            </a:r>
-            <a:r>
-              <a:rPr lang="ko-KR" altLang="en-US" dirty="0"/>
-              <a:t>진</a:t>
-            </a:r>
+              <a:t>박진</a:t>
+            </a:r>
+            <a:endParaRPr lang="ko-KR" altLang="en-US" dirty="0"/>
           </a:p>
         </p:txBody>
       </p:sp>
@@ -3572,7 +4289,15 @@
             </a:r>
             <a:r>
               <a:rPr lang="ko-KR" altLang="en-US" sz="2400" dirty="0" smtClean="0"/>
-              <a:t> 세계</a:t>
+              <a:t> </a:t>
+            </a:r>
+            <a:r>
+              <a:rPr lang="ko-KR" altLang="en-US" sz="2400" dirty="0" smtClean="0"/>
+              <a:t>월</a:t>
+            </a:r>
+            <a:r>
+              <a:rPr lang="ko-KR" altLang="en-US" sz="2400" dirty="0"/>
+              <a:t>드</a:t>
             </a:r>
             <a:endParaRPr lang="en-US" altLang="ko-KR" sz="2400" dirty="0" smtClean="0"/>
           </a:p>
@@ -3670,7 +4395,6 @@
               <a:rPr lang="en-US" altLang="ko-KR" sz="2400" dirty="0" smtClean="0"/>
               <a:t>.</a:t>
             </a:r>
-            <a:endParaRPr lang="en-US" altLang="ko-KR" sz="2400" dirty="0" smtClean="0"/>
           </a:p>
           <a:p>
             <a:pPr algn="just"/>
@@ -3818,15 +4542,7 @@
             </a:r>
             <a:r>
               <a:rPr lang="ko-KR" altLang="en-US" dirty="0" smtClean="0"/>
-              <a:t>커다란 </a:t>
-            </a:r>
-            <a:r>
-              <a:rPr lang="ko-KR" altLang="en-US" dirty="0" smtClean="0"/>
-              <a:t>호박정령이 </a:t>
-            </a:r>
-            <a:r>
-              <a:rPr lang="ko-KR" altLang="en-US" dirty="0" smtClean="0"/>
-              <a:t>있다</a:t>
+              <a:t>커다란 호박정령이 있다</a:t>
             </a:r>
             <a:r>
               <a:rPr lang="en-US" altLang="ko-KR" dirty="0" smtClean="0"/>
@@ -3837,23 +4553,11 @@
             </a:br>
             <a:r>
               <a:rPr lang="ko-KR" altLang="en-US" dirty="0" smtClean="0"/>
-              <a:t>이 </a:t>
-            </a:r>
-            <a:r>
-              <a:rPr lang="ko-KR" altLang="en-US" dirty="0" smtClean="0"/>
-              <a:t>호박정령을 </a:t>
-            </a:r>
-            <a:r>
-              <a:rPr lang="ko-KR" altLang="en-US" dirty="0" smtClean="0"/>
-              <a:t>클릭하면</a:t>
+              <a:t>이 호박정령을 클릭하면</a:t>
             </a:r>
             <a:r>
               <a:rPr lang="en-US" altLang="ko-KR" dirty="0" smtClean="0"/>
-              <a:t>, </a:t>
-            </a:r>
-            <a:r>
-              <a:rPr lang="en-US" altLang="ko-KR" dirty="0" smtClean="0"/>
-              <a:t>‘</a:t>
+              <a:t>, ‘</a:t>
             </a:r>
             <a:r>
               <a:rPr lang="ko-KR" altLang="en-US" dirty="0" smtClean="0"/>
@@ -3865,15 +4569,7 @@
             </a:r>
             <a:r>
               <a:rPr lang="ko-KR" altLang="en-US" dirty="0" smtClean="0"/>
-              <a:t>이란 </a:t>
-            </a:r>
-            <a:r>
-              <a:rPr lang="ko-KR" altLang="en-US" dirty="0" smtClean="0"/>
-              <a:t>자원을 얻을 수 </a:t>
-            </a:r>
-            <a:r>
-              <a:rPr lang="ko-KR" altLang="en-US" dirty="0" smtClean="0"/>
-              <a:t>있다</a:t>
+              <a:t>이란 자원을 얻을 수 있다</a:t>
             </a:r>
             <a:r>
               <a:rPr lang="en-US" altLang="ko-KR" dirty="0" smtClean="0"/>
@@ -3973,7 +4669,7 @@
           <p:nvPr/>
         </p:nvPicPr>
         <p:blipFill>
-          <a:blip r:embed="rId2">
+          <a:blip r:embed="rId3">
             <a:extLst>
               <a:ext uri="{28A0092B-C50C-407E-A947-70E740481C1C}">
                 <a14:useLocalDpi xmlns:a14="http://schemas.microsoft.com/office/drawing/2010/main" val="0"/>
@@ -4369,7 +5065,7 @@
           <p:nvPr/>
         </p:nvPicPr>
         <p:blipFill>
-          <a:blip r:embed="rId2">
+          <a:blip r:embed="rId3">
             <a:extLst>
               <a:ext uri="{28A0092B-C50C-407E-A947-70E740481C1C}">
                 <a14:useLocalDpi xmlns:a14="http://schemas.microsoft.com/office/drawing/2010/main" val="0"/>
@@ -4410,7 +5106,7 @@
           <p:nvPr/>
         </p:nvPicPr>
         <p:blipFill>
-          <a:blip r:embed="rId3">
+          <a:blip r:embed="rId4">
             <a:extLst>
               <a:ext uri="{28A0092B-C50C-407E-A947-70E740481C1C}">
                 <a14:useLocalDpi xmlns:a14="http://schemas.microsoft.com/office/drawing/2010/main" val="0"/>
@@ -4451,7 +5147,7 @@
           <p:nvPr/>
         </p:nvPicPr>
         <p:blipFill>
-          <a:blip r:embed="rId4">
+          <a:blip r:embed="rId5">
             <a:extLst>
               <a:ext uri="{28A0092B-C50C-407E-A947-70E740481C1C}">
                 <a14:useLocalDpi xmlns:a14="http://schemas.microsoft.com/office/drawing/2010/main" val="0"/>
@@ -4492,7 +5188,7 @@
           <p:nvPr/>
         </p:nvPicPr>
         <p:blipFill>
-          <a:blip r:embed="rId5">
+          <a:blip r:embed="rId6">
             <a:extLst>
               <a:ext uri="{28A0092B-C50C-407E-A947-70E740481C1C}">
                 <a14:useLocalDpi xmlns:a14="http://schemas.microsoft.com/office/drawing/2010/main" val="0"/>
@@ -4622,7 +5318,7 @@
           <p:nvPr/>
         </p:nvPicPr>
         <p:blipFill>
-          <a:blip r:embed="rId2">
+          <a:blip r:embed="rId3">
             <a:extLst>
               <a:ext uri="{28A0092B-C50C-407E-A947-70E740481C1C}">
                 <a14:useLocalDpi xmlns:a14="http://schemas.microsoft.com/office/drawing/2010/main" val="0"/>
@@ -4663,7 +5359,7 @@
           <p:nvPr/>
         </p:nvPicPr>
         <p:blipFill>
-          <a:blip r:embed="rId3">
+          <a:blip r:embed="rId4">
             <a:extLst>
               <a:ext uri="{28A0092B-C50C-407E-A947-70E740481C1C}">
                 <a14:useLocalDpi xmlns:a14="http://schemas.microsoft.com/office/drawing/2010/main" val="0"/>
@@ -4704,7 +5400,7 @@
           <p:nvPr/>
         </p:nvPicPr>
         <p:blipFill>
-          <a:blip r:embed="rId4">
+          <a:blip r:embed="rId5">
             <a:extLst>
               <a:ext uri="{28A0092B-C50C-407E-A947-70E740481C1C}">
                 <a14:useLocalDpi xmlns:a14="http://schemas.microsoft.com/office/drawing/2010/main" val="0"/>
@@ -4745,7 +5441,7 @@
           <p:nvPr/>
         </p:nvPicPr>
         <p:blipFill>
-          <a:blip r:embed="rId5">
+          <a:blip r:embed="rId6">
             <a:extLst>
               <a:ext uri="{28A0092B-C50C-407E-A947-70E740481C1C}">
                 <a14:useLocalDpi xmlns:a14="http://schemas.microsoft.com/office/drawing/2010/main" val="0"/>
@@ -4786,7 +5482,7 @@
           <p:nvPr/>
         </p:nvPicPr>
         <p:blipFill>
-          <a:blip r:embed="rId6">
+          <a:blip r:embed="rId7">
             <a:extLst>
               <a:ext uri="{28A0092B-C50C-407E-A947-70E740481C1C}">
                 <a14:useLocalDpi xmlns:a14="http://schemas.microsoft.com/office/drawing/2010/main" val="0"/>
@@ -4909,7 +5605,7 @@
           <p:nvPr/>
         </p:nvPicPr>
         <p:blipFill>
-          <a:blip r:embed="rId2">
+          <a:blip r:embed="rId3">
             <a:extLst>
               <a:ext uri="{28A0092B-C50C-407E-A947-70E740481C1C}">
                 <a14:useLocalDpi xmlns:a14="http://schemas.microsoft.com/office/drawing/2010/main" val="0"/>
@@ -4950,7 +5646,7 @@
           <p:nvPr/>
         </p:nvPicPr>
         <p:blipFill>
-          <a:blip r:embed="rId3">
+          <a:blip r:embed="rId4">
             <a:extLst>
               <a:ext uri="{28A0092B-C50C-407E-A947-70E740481C1C}">
                 <a14:useLocalDpi xmlns:a14="http://schemas.microsoft.com/office/drawing/2010/main" val="0"/>
@@ -4991,7 +5687,7 @@
           <p:nvPr/>
         </p:nvPicPr>
         <p:blipFill>
-          <a:blip r:embed="rId4">
+          <a:blip r:embed="rId5">
             <a:extLst>
               <a:ext uri="{28A0092B-C50C-407E-A947-70E740481C1C}">
                 <a14:useLocalDpi xmlns:a14="http://schemas.microsoft.com/office/drawing/2010/main" val="0"/>
@@ -5032,7 +5728,7 @@
           <p:nvPr/>
         </p:nvPicPr>
         <p:blipFill>
-          <a:blip r:embed="rId5">
+          <a:blip r:embed="rId6">
             <a:extLst>
               <a:ext uri="{28A0092B-C50C-407E-A947-70E740481C1C}">
                 <a14:useLocalDpi xmlns:a14="http://schemas.microsoft.com/office/drawing/2010/main" val="0"/>
@@ -5073,7 +5769,7 @@
           <p:nvPr/>
         </p:nvPicPr>
         <p:blipFill>
-          <a:blip r:embed="rId6">
+          <a:blip r:embed="rId7">
             <a:extLst>
               <a:ext uri="{28A0092B-C50C-407E-A947-70E740481C1C}">
                 <a14:useLocalDpi xmlns:a14="http://schemas.microsoft.com/office/drawing/2010/main" val="0"/>
@@ -5196,7 +5892,7 @@
           <p:nvPr/>
         </p:nvPicPr>
         <p:blipFill>
-          <a:blip r:embed="rId2">
+          <a:blip r:embed="rId3">
             <a:extLst>
               <a:ext uri="{28A0092B-C50C-407E-A947-70E740481C1C}">
                 <a14:useLocalDpi xmlns:a14="http://schemas.microsoft.com/office/drawing/2010/main" val="0"/>
@@ -5237,7 +5933,7 @@
           <p:nvPr/>
         </p:nvPicPr>
         <p:blipFill>
-          <a:blip r:embed="rId3">
+          <a:blip r:embed="rId4">
             <a:extLst>
               <a:ext uri="{28A0092B-C50C-407E-A947-70E740481C1C}">
                 <a14:useLocalDpi xmlns:a14="http://schemas.microsoft.com/office/drawing/2010/main" val="0"/>
